--- a/Byssus in mussel life/R_calc_for_Derjugin_2023/Template.pptx
+++ b/Byssus in mussel life/R_calc_for_Derjugin_2023/Template.pptx
@@ -718,10 +718,19 @@
             <p:ph type="dt" sz="half" idx="10"/>
           </p:nvPr>
         </p:nvSpPr>
-        <p:spPr/>
+        <p:spPr>
+          <a:xfrm>
+            <a:off x="4009390" y="5793105"/>
+            <a:ext cx="4057015" cy="928370"/>
+          </a:xfrm>
+        </p:spPr>
         <p:txBody>
           <a:bodyPr/>
-          <a:lstStyle/>
+          <a:lstStyle>
+            <a:lvl1pPr algn="ctr">
+              <a:defRPr/>
+            </a:lvl1pPr>
+          </a:lstStyle>
           <a:p>
             <a:fld id="{760FBDFE-C587-4B4C-A407-44438C67B59E}" type="datetimeFigureOut">
               <a:rPr lang="en-US" smtClean="0"/>
@@ -732,29 +741,6 @@
       </p:sp>
       <p:sp>
         <p:nvSpPr>
-          <p:cNvPr id="5" name="Footer Placeholder 4"/>
-          <p:cNvSpPr>
-            <a:spLocks noGrp="1"/>
-          </p:cNvSpPr>
-          <p:nvPr>
-            <p:ph type="ftr" sz="quarter" idx="11"/>
-          </p:nvPr>
-        </p:nvSpPr>
-        <p:spPr/>
-        <p:txBody>
-          <a:bodyPr/>
-          <a:lstStyle/>
-          <a:p>
-            <a:r>
-              <a:rPr lang="ru-RU" altLang="en-US"/>
-              <a:t>Санкт-Петербург</a:t>
-            </a:r>
-            <a:endParaRPr lang="ru-RU" altLang="en-US"/>
-          </a:p>
-        </p:txBody>
-      </p:sp>
-      <p:sp>
-        <p:nvSpPr>
           <p:cNvPr id="6" name="Slide Number Placeholder 5"/>
           <p:cNvSpPr>
             <a:spLocks noGrp="1"/>
@@ -763,7 +749,12 @@
             <p:ph type="sldNum" sz="quarter" idx="12"/>
           </p:nvPr>
         </p:nvSpPr>
-        <p:spPr/>
+        <p:spPr>
+          <a:xfrm>
+            <a:off x="9257030" y="6356350"/>
+            <a:ext cx="2743200" cy="365125"/>
+          </a:xfrm>
+        </p:spPr>
         <p:txBody>
           <a:bodyPr/>
           <a:lstStyle/>
